--- a/src/lectures/android-permissions/android-permissions.pptx
+++ b/src/lectures/android-permissions/android-permissions.pptx
@@ -209,7 +209,7 @@
           <a:p>
             <a:fld id="{6D65E8AE-67CB-425F-A941-9EF2C260E158}" type="datetimeFigureOut">
               <a:rPr lang="sv-SE" smtClean="0"/>
-              <a:t>2020-02-02</a:t>
+              <a:t>2020-02-03</a:t>
             </a:fld>
             <a:endParaRPr lang="sv-SE"/>
           </a:p>
@@ -374,7 +374,7 @@
           <a:p>
             <a:fld id="{38366049-D807-473D-9795-762417EEF104}" type="datetimeFigureOut">
               <a:rPr lang="en-US" smtClean="0"/>
-              <a:t>2/2/2020</a:t>
+              <a:t>2/3/2020</a:t>
             </a:fld>
             <a:endParaRPr lang="en-US"/>
           </a:p>
@@ -683,7 +683,7 @@
           <a:p>
             <a:fld id="{428859CC-B640-4DB3-BB6F-301CDED75AAD}" type="datetimeFigureOut">
               <a:rPr lang="sv-SE" smtClean="0"/>
-              <a:t>2020-02-02</a:t>
+              <a:t>2020-02-03</a:t>
             </a:fld>
             <a:endParaRPr lang="sv-SE"/>
           </a:p>
@@ -1033,7 +1033,7 @@
           <a:p>
             <a:fld id="{428859CC-B640-4DB3-BB6F-301CDED75AAD}" type="datetimeFigureOut">
               <a:rPr lang="sv-SE" smtClean="0"/>
-              <a:t>2020-02-02</a:t>
+              <a:t>2020-02-03</a:t>
             </a:fld>
             <a:endParaRPr lang="sv-SE"/>
           </a:p>
@@ -1283,7 +1283,7 @@
           <a:p>
             <a:fld id="{428859CC-B640-4DB3-BB6F-301CDED75AAD}" type="datetimeFigureOut">
               <a:rPr lang="sv-SE" smtClean="0"/>
-              <a:t>2020-02-02</a:t>
+              <a:t>2020-02-03</a:t>
             </a:fld>
             <a:endParaRPr lang="sv-SE"/>
           </a:p>
@@ -1642,7 +1642,7 @@
           <a:p>
             <a:fld id="{428859CC-B640-4DB3-BB6F-301CDED75AAD}" type="datetimeFigureOut">
               <a:rPr lang="sv-SE" smtClean="0"/>
-              <a:t>2020-02-02</a:t>
+              <a:t>2020-02-03</a:t>
             </a:fld>
             <a:endParaRPr lang="sv-SE"/>
           </a:p>
@@ -1993,7 +1993,7 @@
           <a:p>
             <a:fld id="{428859CC-B640-4DB3-BB6F-301CDED75AAD}" type="datetimeFigureOut">
               <a:rPr lang="sv-SE" smtClean="0"/>
-              <a:t>2020-02-02</a:t>
+              <a:t>2020-02-03</a:t>
             </a:fld>
             <a:endParaRPr lang="sv-SE"/>
           </a:p>
@@ -2425,7 +2425,7 @@
           <a:p>
             <a:fld id="{428859CC-B640-4DB3-BB6F-301CDED75AAD}" type="datetimeFigureOut">
               <a:rPr lang="sv-SE" smtClean="0"/>
-              <a:t>2020-02-02</a:t>
+              <a:t>2020-02-03</a:t>
             </a:fld>
             <a:endParaRPr lang="sv-SE"/>
           </a:p>
@@ -2849,7 +2849,7 @@
           <a:p>
             <a:fld id="{428859CC-B640-4DB3-BB6F-301CDED75AAD}" type="datetimeFigureOut">
               <a:rPr lang="sv-SE" smtClean="0"/>
-              <a:t>2020-02-02</a:t>
+              <a:t>2020-02-03</a:t>
             </a:fld>
             <a:endParaRPr lang="sv-SE"/>
           </a:p>
@@ -3281,7 +3281,7 @@
           <a:p>
             <a:fld id="{428859CC-B640-4DB3-BB6F-301CDED75AAD}" type="datetimeFigureOut">
               <a:rPr lang="sv-SE" smtClean="0"/>
-              <a:t>2020-02-02</a:t>
+              <a:t>2020-02-03</a:t>
             </a:fld>
             <a:endParaRPr lang="sv-SE"/>
           </a:p>
@@ -3607,7 +3607,7 @@
           <a:p>
             <a:fld id="{428859CC-B640-4DB3-BB6F-301CDED75AAD}" type="datetimeFigureOut">
               <a:rPr lang="sv-SE" smtClean="0"/>
-              <a:t>2020-02-02</a:t>
+              <a:t>2020-02-03</a:t>
             </a:fld>
             <a:endParaRPr lang="sv-SE"/>
           </a:p>
@@ -3807,7 +3807,7 @@
           <a:p>
             <a:fld id="{428859CC-B640-4DB3-BB6F-301CDED75AAD}" type="datetimeFigureOut">
               <a:rPr lang="sv-SE" smtClean="0"/>
-              <a:t>2020-02-02</a:t>
+              <a:t>2020-02-03</a:t>
             </a:fld>
             <a:endParaRPr lang="sv-SE"/>
           </a:p>
@@ -3968,7 +3968,7 @@
           <a:p>
             <a:fld id="{428859CC-B640-4DB3-BB6F-301CDED75AAD}" type="datetimeFigureOut">
               <a:rPr lang="sv-SE" smtClean="0"/>
-              <a:t>2020-02-02</a:t>
+              <a:t>2020-02-03</a:t>
             </a:fld>
             <a:endParaRPr lang="sv-SE"/>
           </a:p>
@@ -4236,7 +4236,7 @@
           <a:p>
             <a:fld id="{428859CC-B640-4DB3-BB6F-301CDED75AAD}" type="datetimeFigureOut">
               <a:rPr lang="sv-SE" smtClean="0"/>
-              <a:t>2020-02-02</a:t>
+              <a:t>2020-02-03</a:t>
             </a:fld>
             <a:endParaRPr lang="sv-SE"/>
           </a:p>
@@ -4441,7 +4441,7 @@
           <a:p>
             <a:fld id="{428859CC-B640-4DB3-BB6F-301CDED75AAD}" type="datetimeFigureOut">
               <a:rPr lang="sv-SE" smtClean="0"/>
-              <a:t>2020-02-02</a:t>
+              <a:t>2020-02-03</a:t>
             </a:fld>
             <a:endParaRPr lang="sv-SE"/>
           </a:p>
@@ -4663,7 +4663,7 @@
           <a:p>
             <a:fld id="{428859CC-B640-4DB3-BB6F-301CDED75AAD}" type="datetimeFigureOut">
               <a:rPr lang="sv-SE" smtClean="0"/>
-              <a:t>2020-02-02</a:t>
+              <a:t>2020-02-03</a:t>
             </a:fld>
             <a:endParaRPr lang="sv-SE"/>
           </a:p>
@@ -4897,7 +4897,7 @@
           <a:p>
             <a:fld id="{428859CC-B640-4DB3-BB6F-301CDED75AAD}" type="datetimeFigureOut">
               <a:rPr lang="sv-SE" smtClean="0"/>
-              <a:t>2020-02-02</a:t>
+              <a:t>2020-02-03</a:t>
             </a:fld>
             <a:endParaRPr lang="sv-SE"/>
           </a:p>
@@ -5119,7 +5119,7 @@
           <a:p>
             <a:fld id="{428859CC-B640-4DB3-BB6F-301CDED75AAD}" type="datetimeFigureOut">
               <a:rPr lang="sv-SE" smtClean="0"/>
-              <a:t>2020-02-02</a:t>
+              <a:t>2020-02-03</a:t>
             </a:fld>
             <a:endParaRPr lang="sv-SE"/>
           </a:p>
@@ -5353,7 +5353,7 @@
           <a:p>
             <a:fld id="{428859CC-B640-4DB3-BB6F-301CDED75AAD}" type="datetimeFigureOut">
               <a:rPr lang="sv-SE" smtClean="0"/>
-              <a:t>2020-02-02</a:t>
+              <a:t>2020-02-03</a:t>
             </a:fld>
             <a:endParaRPr lang="sv-SE"/>
           </a:p>
@@ -5767,7 +5767,7 @@
           <a:p>
             <a:fld id="{428859CC-B640-4DB3-BB6F-301CDED75AAD}" type="datetimeFigureOut">
               <a:rPr lang="sv-SE" smtClean="0"/>
-              <a:t>2020-02-02</a:t>
+              <a:t>2020-02-03</a:t>
             </a:fld>
             <a:endParaRPr lang="sv-SE"/>
           </a:p>
@@ -6179,7 +6179,7 @@
           <a:p>
             <a:fld id="{428859CC-B640-4DB3-BB6F-301CDED75AAD}" type="datetimeFigureOut">
               <a:rPr lang="sv-SE" smtClean="0"/>
-              <a:t>2020-02-02</a:t>
+              <a:t>2020-02-03</a:t>
             </a:fld>
             <a:endParaRPr lang="sv-SE"/>
           </a:p>
@@ -6496,7 +6496,7 @@
           <a:p>
             <a:fld id="{428859CC-B640-4DB3-BB6F-301CDED75AAD}" type="datetimeFigureOut">
               <a:rPr lang="sv-SE" smtClean="0"/>
-              <a:t>2020-02-02</a:t>
+              <a:t>2020-02-03</a:t>
             </a:fld>
             <a:endParaRPr lang="sv-SE"/>
           </a:p>
@@ -6811,7 +6811,7 @@
           <a:p>
             <a:fld id="{428859CC-B640-4DB3-BB6F-301CDED75AAD}" type="datetimeFigureOut">
               <a:rPr lang="sv-SE" smtClean="0"/>
-              <a:t>2020-02-02</a:t>
+              <a:t>2020-02-03</a:t>
             </a:fld>
             <a:endParaRPr lang="sv-SE"/>
           </a:p>
@@ -7099,7 +7099,7 @@
           <a:p>
             <a:fld id="{428859CC-B640-4DB3-BB6F-301CDED75AAD}" type="datetimeFigureOut">
               <a:rPr lang="sv-SE" smtClean="0"/>
-              <a:t>2020-02-02</a:t>
+              <a:t>2020-02-03</a:t>
             </a:fld>
             <a:endParaRPr lang="sv-SE"/>
           </a:p>
@@ -7401,7 +7401,7 @@
           <a:p>
             <a:fld id="{428859CC-B640-4DB3-BB6F-301CDED75AAD}" type="datetimeFigureOut">
               <a:rPr lang="sv-SE" smtClean="0"/>
-              <a:t>2020-02-02</a:t>
+              <a:t>2020-02-03</a:t>
             </a:fld>
             <a:endParaRPr lang="sv-SE"/>
           </a:p>
@@ -7683,7 +7683,7 @@
           <a:p>
             <a:fld id="{428859CC-B640-4DB3-BB6F-301CDED75AAD}" type="datetimeFigureOut">
               <a:rPr lang="sv-SE" smtClean="0"/>
-              <a:t>2020-02-02</a:t>
+              <a:t>2020-02-03</a:t>
             </a:fld>
             <a:endParaRPr lang="sv-SE"/>
           </a:p>
